--- a/trunk/Document/Documentation/Final Document & Report/Non-functional Requirements.pptx
+++ b/trunk/Document/Documentation/Final Document & Report/Non-functional Requirements.pptx
@@ -4,18 +4,22 @@
   <p:sldMasterIdLst>
     <p:sldMasterId id="2147483648" r:id="rId1"/>
   </p:sldMasterIdLst>
+  <p:notesMasterIdLst>
+    <p:notesMasterId r:id="rId14"/>
+  </p:notesMasterIdLst>
   <p:sldIdLst>
     <p:sldId id="256" r:id="rId2"/>
     <p:sldId id="257" r:id="rId3"/>
     <p:sldId id="258" r:id="rId4"/>
     <p:sldId id="259" r:id="rId5"/>
-    <p:sldId id="260" r:id="rId6"/>
-    <p:sldId id="261" r:id="rId7"/>
-    <p:sldId id="262" r:id="rId8"/>
-    <p:sldId id="263" r:id="rId9"/>
-    <p:sldId id="264" r:id="rId10"/>
-    <p:sldId id="265" r:id="rId11"/>
-    <p:sldId id="266" r:id="rId12"/>
+    <p:sldId id="267" r:id="rId6"/>
+    <p:sldId id="260" r:id="rId7"/>
+    <p:sldId id="261" r:id="rId8"/>
+    <p:sldId id="262" r:id="rId9"/>
+    <p:sldId id="263" r:id="rId10"/>
+    <p:sldId id="264" r:id="rId11"/>
+    <p:sldId id="265" r:id="rId12"/>
+    <p:sldId id="266" r:id="rId13"/>
   </p:sldIdLst>
   <p:sldSz cx="9144000" cy="6858000" type="screen4x3"/>
   <p:notesSz cx="6858000" cy="9144000"/>
@@ -117,6 +121,434 @@
 </p:presentation>
 </file>
 
+<file path=ppt/notesMasters/notesMaster1.xml><?xml version="1.0" encoding="utf-8"?>
+<p:notesMaster xmlns:a="http://schemas.openxmlformats.org/drawingml/2006/main" xmlns:r="http://schemas.openxmlformats.org/officeDocument/2006/relationships" xmlns:p="http://schemas.openxmlformats.org/presentationml/2006/main">
+  <p:cSld>
+    <p:bg>
+      <p:bgRef idx="1001">
+        <a:schemeClr val="bg1"/>
+      </p:bgRef>
+    </p:bg>
+    <p:spTree>
+      <p:nvGrpSpPr>
+        <p:cNvPr id="1" name=""/>
+        <p:cNvGrpSpPr/>
+        <p:nvPr/>
+      </p:nvGrpSpPr>
+      <p:grpSpPr>
+        <a:xfrm>
+          <a:off x="0" y="0"/>
+          <a:ext cx="0" cy="0"/>
+          <a:chOff x="0" y="0"/>
+          <a:chExt cx="0" cy="0"/>
+        </a:xfrm>
+      </p:grpSpPr>
+      <p:sp>
+        <p:nvSpPr>
+          <p:cNvPr id="2" name="Header Placeholder 1"/>
+          <p:cNvSpPr>
+            <a:spLocks noGrp="1"/>
+          </p:cNvSpPr>
+          <p:nvPr>
+            <p:ph type="hdr" sz="quarter"/>
+          </p:nvPr>
+        </p:nvSpPr>
+        <p:spPr>
+          <a:xfrm>
+            <a:off x="0" y="0"/>
+            <a:ext cx="2971800" cy="457200"/>
+          </a:xfrm>
+          <a:prstGeom prst="rect">
+            <a:avLst/>
+          </a:prstGeom>
+        </p:spPr>
+        <p:txBody>
+          <a:bodyPr vert="horz" lIns="91440" tIns="45720" rIns="91440" bIns="45720" rtlCol="0"/>
+          <a:lstStyle>
+            <a:lvl1pPr algn="l">
+              <a:defRPr sz="1200"/>
+            </a:lvl1pPr>
+          </a:lstStyle>
+          <a:p>
+            <a:endParaRPr lang="en-US"/>
+          </a:p>
+        </p:txBody>
+      </p:sp>
+      <p:sp>
+        <p:nvSpPr>
+          <p:cNvPr id="3" name="Date Placeholder 2"/>
+          <p:cNvSpPr>
+            <a:spLocks noGrp="1"/>
+          </p:cNvSpPr>
+          <p:nvPr>
+            <p:ph type="dt" idx="1"/>
+          </p:nvPr>
+        </p:nvSpPr>
+        <p:spPr>
+          <a:xfrm>
+            <a:off x="3884613" y="0"/>
+            <a:ext cx="2971800" cy="457200"/>
+          </a:xfrm>
+          <a:prstGeom prst="rect">
+            <a:avLst/>
+          </a:prstGeom>
+        </p:spPr>
+        <p:txBody>
+          <a:bodyPr vert="horz" lIns="91440" tIns="45720" rIns="91440" bIns="45720" rtlCol="0"/>
+          <a:lstStyle>
+            <a:lvl1pPr algn="r">
+              <a:defRPr sz="1200"/>
+            </a:lvl1pPr>
+          </a:lstStyle>
+          <a:p>
+            <a:fld id="{ADA0C290-5651-40BB-9E58-A94EC9952C7E}" type="datetimeFigureOut">
+              <a:rPr lang="en-US" smtClean="0"/>
+              <a:t>4/21/2013</a:t>
+            </a:fld>
+            <a:endParaRPr lang="en-US"/>
+          </a:p>
+        </p:txBody>
+      </p:sp>
+      <p:sp>
+        <p:nvSpPr>
+          <p:cNvPr id="4" name="Slide Image Placeholder 3"/>
+          <p:cNvSpPr>
+            <a:spLocks noGrp="1" noRot="1" noChangeAspect="1"/>
+          </p:cNvSpPr>
+          <p:nvPr>
+            <p:ph type="sldImg" idx="2"/>
+          </p:nvPr>
+        </p:nvSpPr>
+        <p:spPr>
+          <a:xfrm>
+            <a:off x="1143000" y="685800"/>
+            <a:ext cx="4572000" cy="3429000"/>
+          </a:xfrm>
+          <a:prstGeom prst="rect">
+            <a:avLst/>
+          </a:prstGeom>
+          <a:noFill/>
+          <a:ln w="12700">
+            <a:solidFill>
+              <a:prstClr val="black"/>
+            </a:solidFill>
+          </a:ln>
+        </p:spPr>
+        <p:txBody>
+          <a:bodyPr vert="horz" lIns="91440" tIns="45720" rIns="91440" bIns="45720" rtlCol="0" anchor="ctr"/>
+          <a:lstStyle/>
+          <a:p>
+            <a:endParaRPr lang="en-US"/>
+          </a:p>
+        </p:txBody>
+      </p:sp>
+      <p:sp>
+        <p:nvSpPr>
+          <p:cNvPr id="5" name="Notes Placeholder 4"/>
+          <p:cNvSpPr>
+            <a:spLocks noGrp="1"/>
+          </p:cNvSpPr>
+          <p:nvPr>
+            <p:ph type="body" sz="quarter" idx="3"/>
+          </p:nvPr>
+        </p:nvSpPr>
+        <p:spPr>
+          <a:xfrm>
+            <a:off x="685800" y="4343400"/>
+            <a:ext cx="5486400" cy="4114800"/>
+          </a:xfrm>
+          <a:prstGeom prst="rect">
+            <a:avLst/>
+          </a:prstGeom>
+        </p:spPr>
+        <p:txBody>
+          <a:bodyPr vert="horz" lIns="91440" tIns="45720" rIns="91440" bIns="45720" rtlCol="0">
+            <a:normAutofit/>
+          </a:bodyPr>
+          <a:lstStyle/>
+          <a:p>
+            <a:pPr lvl="0"/>
+            <a:r>
+              <a:rPr lang="en-US" smtClean="0"/>
+              <a:t>Click to edit Master text styles</a:t>
+            </a:r>
+          </a:p>
+          <a:p>
+            <a:pPr lvl="1"/>
+            <a:r>
+              <a:rPr lang="en-US" smtClean="0"/>
+              <a:t>Second level</a:t>
+            </a:r>
+          </a:p>
+          <a:p>
+            <a:pPr lvl="2"/>
+            <a:r>
+              <a:rPr lang="en-US" smtClean="0"/>
+              <a:t>Third level</a:t>
+            </a:r>
+          </a:p>
+          <a:p>
+            <a:pPr lvl="3"/>
+            <a:r>
+              <a:rPr lang="en-US" smtClean="0"/>
+              <a:t>Fourth level</a:t>
+            </a:r>
+          </a:p>
+          <a:p>
+            <a:pPr lvl="4"/>
+            <a:r>
+              <a:rPr lang="en-US" smtClean="0"/>
+              <a:t>Fifth level</a:t>
+            </a:r>
+            <a:endParaRPr lang="en-US"/>
+          </a:p>
+        </p:txBody>
+      </p:sp>
+      <p:sp>
+        <p:nvSpPr>
+          <p:cNvPr id="6" name="Footer Placeholder 5"/>
+          <p:cNvSpPr>
+            <a:spLocks noGrp="1"/>
+          </p:cNvSpPr>
+          <p:nvPr>
+            <p:ph type="ftr" sz="quarter" idx="4"/>
+          </p:nvPr>
+        </p:nvSpPr>
+        <p:spPr>
+          <a:xfrm>
+            <a:off x="0" y="8685213"/>
+            <a:ext cx="2971800" cy="457200"/>
+          </a:xfrm>
+          <a:prstGeom prst="rect">
+            <a:avLst/>
+          </a:prstGeom>
+        </p:spPr>
+        <p:txBody>
+          <a:bodyPr vert="horz" lIns="91440" tIns="45720" rIns="91440" bIns="45720" rtlCol="0" anchor="b"/>
+          <a:lstStyle>
+            <a:lvl1pPr algn="l">
+              <a:defRPr sz="1200"/>
+            </a:lvl1pPr>
+          </a:lstStyle>
+          <a:p>
+            <a:endParaRPr lang="en-US"/>
+          </a:p>
+        </p:txBody>
+      </p:sp>
+      <p:sp>
+        <p:nvSpPr>
+          <p:cNvPr id="7" name="Slide Number Placeholder 6"/>
+          <p:cNvSpPr>
+            <a:spLocks noGrp="1"/>
+          </p:cNvSpPr>
+          <p:nvPr>
+            <p:ph type="sldNum" sz="quarter" idx="5"/>
+          </p:nvPr>
+        </p:nvSpPr>
+        <p:spPr>
+          <a:xfrm>
+            <a:off x="3884613" y="8685213"/>
+            <a:ext cx="2971800" cy="457200"/>
+          </a:xfrm>
+          <a:prstGeom prst="rect">
+            <a:avLst/>
+          </a:prstGeom>
+        </p:spPr>
+        <p:txBody>
+          <a:bodyPr vert="horz" lIns="91440" tIns="45720" rIns="91440" bIns="45720" rtlCol="0" anchor="b"/>
+          <a:lstStyle>
+            <a:lvl1pPr algn="r">
+              <a:defRPr sz="1200"/>
+            </a:lvl1pPr>
+          </a:lstStyle>
+          <a:p>
+            <a:fld id="{D3FA28BE-5A9E-4108-9D1F-A0486FB88473}" type="slidenum">
+              <a:rPr lang="en-US" smtClean="0"/>
+              <a:t>‹#›</a:t>
+            </a:fld>
+            <a:endParaRPr lang="en-US"/>
+          </a:p>
+        </p:txBody>
+      </p:sp>
+    </p:spTree>
+  </p:cSld>
+  <p:clrMap bg1="lt1" tx1="dk1" bg2="lt2" tx2="dk2" accent1="accent1" accent2="accent2" accent3="accent3" accent4="accent4" accent5="accent5" accent6="accent6" hlink="hlink" folHlink="folHlink"/>
+  <p:notesStyle>
+    <a:lvl1pPr marL="0" algn="l" defTabSz="914400" rtl="0" eaLnBrk="1" latinLnBrk="0" hangingPunct="1">
+      <a:defRPr sz="1200" kern="1200">
+        <a:solidFill>
+          <a:schemeClr val="tx1"/>
+        </a:solidFill>
+        <a:latin typeface="+mn-lt"/>
+        <a:ea typeface="+mn-ea"/>
+        <a:cs typeface="+mn-cs"/>
+      </a:defRPr>
+    </a:lvl1pPr>
+    <a:lvl2pPr marL="457200" algn="l" defTabSz="914400" rtl="0" eaLnBrk="1" latinLnBrk="0" hangingPunct="1">
+      <a:defRPr sz="1200" kern="1200">
+        <a:solidFill>
+          <a:schemeClr val="tx1"/>
+        </a:solidFill>
+        <a:latin typeface="+mn-lt"/>
+        <a:ea typeface="+mn-ea"/>
+        <a:cs typeface="+mn-cs"/>
+      </a:defRPr>
+    </a:lvl2pPr>
+    <a:lvl3pPr marL="914400" algn="l" defTabSz="914400" rtl="0" eaLnBrk="1" latinLnBrk="0" hangingPunct="1">
+      <a:defRPr sz="1200" kern="1200">
+        <a:solidFill>
+          <a:schemeClr val="tx1"/>
+        </a:solidFill>
+        <a:latin typeface="+mn-lt"/>
+        <a:ea typeface="+mn-ea"/>
+        <a:cs typeface="+mn-cs"/>
+      </a:defRPr>
+    </a:lvl3pPr>
+    <a:lvl4pPr marL="1371600" algn="l" defTabSz="914400" rtl="0" eaLnBrk="1" latinLnBrk="0" hangingPunct="1">
+      <a:defRPr sz="1200" kern="1200">
+        <a:solidFill>
+          <a:schemeClr val="tx1"/>
+        </a:solidFill>
+        <a:latin typeface="+mn-lt"/>
+        <a:ea typeface="+mn-ea"/>
+        <a:cs typeface="+mn-cs"/>
+      </a:defRPr>
+    </a:lvl4pPr>
+    <a:lvl5pPr marL="1828800" algn="l" defTabSz="914400" rtl="0" eaLnBrk="1" latinLnBrk="0" hangingPunct="1">
+      <a:defRPr sz="1200" kern="1200">
+        <a:solidFill>
+          <a:schemeClr val="tx1"/>
+        </a:solidFill>
+        <a:latin typeface="+mn-lt"/>
+        <a:ea typeface="+mn-ea"/>
+        <a:cs typeface="+mn-cs"/>
+      </a:defRPr>
+    </a:lvl5pPr>
+    <a:lvl6pPr marL="2286000" algn="l" defTabSz="914400" rtl="0" eaLnBrk="1" latinLnBrk="0" hangingPunct="1">
+      <a:defRPr sz="1200" kern="1200">
+        <a:solidFill>
+          <a:schemeClr val="tx1"/>
+        </a:solidFill>
+        <a:latin typeface="+mn-lt"/>
+        <a:ea typeface="+mn-ea"/>
+        <a:cs typeface="+mn-cs"/>
+      </a:defRPr>
+    </a:lvl6pPr>
+    <a:lvl7pPr marL="2743200" algn="l" defTabSz="914400" rtl="0" eaLnBrk="1" latinLnBrk="0" hangingPunct="1">
+      <a:defRPr sz="1200" kern="1200">
+        <a:solidFill>
+          <a:schemeClr val="tx1"/>
+        </a:solidFill>
+        <a:latin typeface="+mn-lt"/>
+        <a:ea typeface="+mn-ea"/>
+        <a:cs typeface="+mn-cs"/>
+      </a:defRPr>
+    </a:lvl7pPr>
+    <a:lvl8pPr marL="3200400" algn="l" defTabSz="914400" rtl="0" eaLnBrk="1" latinLnBrk="0" hangingPunct="1">
+      <a:defRPr sz="1200" kern="1200">
+        <a:solidFill>
+          <a:schemeClr val="tx1"/>
+        </a:solidFill>
+        <a:latin typeface="+mn-lt"/>
+        <a:ea typeface="+mn-ea"/>
+        <a:cs typeface="+mn-cs"/>
+      </a:defRPr>
+    </a:lvl8pPr>
+    <a:lvl9pPr marL="3657600" algn="l" defTabSz="914400" rtl="0" eaLnBrk="1" latinLnBrk="0" hangingPunct="1">
+      <a:defRPr sz="1200" kern="1200">
+        <a:solidFill>
+          <a:schemeClr val="tx1"/>
+        </a:solidFill>
+        <a:latin typeface="+mn-lt"/>
+        <a:ea typeface="+mn-ea"/>
+        <a:cs typeface="+mn-cs"/>
+      </a:defRPr>
+    </a:lvl9pPr>
+  </p:notesStyle>
+</p:notesMaster>
+</file>
+
+<file path=ppt/notesSlides/notesSlide1.xml><?xml version="1.0" encoding="utf-8"?>
+<p:notes xmlns:a="http://schemas.openxmlformats.org/drawingml/2006/main" xmlns:r="http://schemas.openxmlformats.org/officeDocument/2006/relationships" xmlns:p="http://schemas.openxmlformats.org/presentationml/2006/main">
+  <p:cSld>
+    <p:spTree>
+      <p:nvGrpSpPr>
+        <p:cNvPr id="1" name=""/>
+        <p:cNvGrpSpPr/>
+        <p:nvPr/>
+      </p:nvGrpSpPr>
+      <p:grpSpPr>
+        <a:xfrm>
+          <a:off x="0" y="0"/>
+          <a:ext cx="0" cy="0"/>
+          <a:chOff x="0" y="0"/>
+          <a:chExt cx="0" cy="0"/>
+        </a:xfrm>
+      </p:grpSpPr>
+      <p:sp>
+        <p:nvSpPr>
+          <p:cNvPr id="2" name="Slide Image Placeholder 1"/>
+          <p:cNvSpPr>
+            <a:spLocks noGrp="1" noRot="1" noChangeAspect="1"/>
+          </p:cNvSpPr>
+          <p:nvPr>
+            <p:ph type="sldImg"/>
+          </p:nvPr>
+        </p:nvSpPr>
+        <p:spPr/>
+      </p:sp>
+      <p:sp>
+        <p:nvSpPr>
+          <p:cNvPr id="3" name="Notes Placeholder 2"/>
+          <p:cNvSpPr>
+            <a:spLocks noGrp="1"/>
+          </p:cNvSpPr>
+          <p:nvPr>
+            <p:ph type="body" idx="1"/>
+          </p:nvPr>
+        </p:nvSpPr>
+        <p:spPr/>
+        <p:txBody>
+          <a:bodyPr>
+            <a:normAutofit/>
+          </a:bodyPr>
+          <a:lstStyle/>
+          <a:p>
+            <a:endParaRPr lang="en-US" dirty="0"/>
+          </a:p>
+        </p:txBody>
+      </p:sp>
+      <p:sp>
+        <p:nvSpPr>
+          <p:cNvPr id="4" name="Slide Number Placeholder 3"/>
+          <p:cNvSpPr>
+            <a:spLocks noGrp="1"/>
+          </p:cNvSpPr>
+          <p:nvPr>
+            <p:ph type="sldNum" sz="quarter" idx="10"/>
+          </p:nvPr>
+        </p:nvSpPr>
+        <p:spPr/>
+        <p:txBody>
+          <a:bodyPr/>
+          <a:lstStyle/>
+          <a:p>
+            <a:fld id="{D3FA28BE-5A9E-4108-9D1F-A0486FB88473}" type="slidenum">
+              <a:rPr lang="en-US" smtClean="0"/>
+              <a:t>11</a:t>
+            </a:fld>
+            <a:endParaRPr lang="en-US"/>
+          </a:p>
+        </p:txBody>
+      </p:sp>
+    </p:spTree>
+  </p:cSld>
+  <p:clrMapOvr>
+    <a:masterClrMapping/>
+  </p:clrMapOvr>
+</p:notes>
+</file>
+
 <file path=ppt/slideLayouts/slideLayout1.xml><?xml version="1.0" encoding="utf-8"?>
 <p:sldLayout xmlns:a="http://schemas.openxmlformats.org/drawingml/2006/main" xmlns:r="http://schemas.openxmlformats.org/officeDocument/2006/relationships" xmlns:p="http://schemas.openxmlformats.org/presentationml/2006/main" type="title" preserve="1">
   <p:cSld name="Title Slide">
@@ -299,7 +731,7 @@
             <a:fld id="{A0C6C299-4584-4B8E-8026-B234D36F464D}" type="datetimeFigureOut">
               <a:rPr lang="en-US" smtClean="0"/>
               <a:pPr/>
-              <a:t>4/20/2013</a:t>
+              <a:t>4/21/2013</a:t>
             </a:fld>
             <a:endParaRPr lang="en-US"/>
           </a:p>
@@ -466,7 +898,7 @@
             <a:fld id="{A0C6C299-4584-4B8E-8026-B234D36F464D}" type="datetimeFigureOut">
               <a:rPr lang="en-US" smtClean="0"/>
               <a:pPr/>
-              <a:t>4/20/2013</a:t>
+              <a:t>4/21/2013</a:t>
             </a:fld>
             <a:endParaRPr lang="en-US"/>
           </a:p>
@@ -643,7 +1075,7 @@
             <a:fld id="{A0C6C299-4584-4B8E-8026-B234D36F464D}" type="datetimeFigureOut">
               <a:rPr lang="en-US" smtClean="0"/>
               <a:pPr/>
-              <a:t>4/20/2013</a:t>
+              <a:t>4/21/2013</a:t>
             </a:fld>
             <a:endParaRPr lang="en-US"/>
           </a:p>
@@ -810,7 +1242,7 @@
             <a:fld id="{A0C6C299-4584-4B8E-8026-B234D36F464D}" type="datetimeFigureOut">
               <a:rPr lang="en-US" smtClean="0"/>
               <a:pPr/>
-              <a:t>4/20/2013</a:t>
+              <a:t>4/21/2013</a:t>
             </a:fld>
             <a:endParaRPr lang="en-US"/>
           </a:p>
@@ -1053,7 +1485,7 @@
             <a:fld id="{A0C6C299-4584-4B8E-8026-B234D36F464D}" type="datetimeFigureOut">
               <a:rPr lang="en-US" smtClean="0"/>
               <a:pPr/>
-              <a:t>4/20/2013</a:t>
+              <a:t>4/21/2013</a:t>
             </a:fld>
             <a:endParaRPr lang="en-US"/>
           </a:p>
@@ -1338,7 +1770,7 @@
             <a:fld id="{A0C6C299-4584-4B8E-8026-B234D36F464D}" type="datetimeFigureOut">
               <a:rPr lang="en-US" smtClean="0"/>
               <a:pPr/>
-              <a:t>4/20/2013</a:t>
+              <a:t>4/21/2013</a:t>
             </a:fld>
             <a:endParaRPr lang="en-US"/>
           </a:p>
@@ -1757,7 +2189,7 @@
             <a:fld id="{A0C6C299-4584-4B8E-8026-B234D36F464D}" type="datetimeFigureOut">
               <a:rPr lang="en-US" smtClean="0"/>
               <a:pPr/>
-              <a:t>4/20/2013</a:t>
+              <a:t>4/21/2013</a:t>
             </a:fld>
             <a:endParaRPr lang="en-US"/>
           </a:p>
@@ -1872,7 +2304,7 @@
             <a:fld id="{A0C6C299-4584-4B8E-8026-B234D36F464D}" type="datetimeFigureOut">
               <a:rPr lang="en-US" smtClean="0"/>
               <a:pPr/>
-              <a:t>4/20/2013</a:t>
+              <a:t>4/21/2013</a:t>
             </a:fld>
             <a:endParaRPr lang="en-US"/>
           </a:p>
@@ -1964,7 +2396,7 @@
             <a:fld id="{A0C6C299-4584-4B8E-8026-B234D36F464D}" type="datetimeFigureOut">
               <a:rPr lang="en-US" smtClean="0"/>
               <a:pPr/>
-              <a:t>4/20/2013</a:t>
+              <a:t>4/21/2013</a:t>
             </a:fld>
             <a:endParaRPr lang="en-US"/>
           </a:p>
@@ -2238,7 +2670,7 @@
             <a:fld id="{A0C6C299-4584-4B8E-8026-B234D36F464D}" type="datetimeFigureOut">
               <a:rPr lang="en-US" smtClean="0"/>
               <a:pPr/>
-              <a:t>4/20/2013</a:t>
+              <a:t>4/21/2013</a:t>
             </a:fld>
             <a:endParaRPr lang="en-US"/>
           </a:p>
@@ -2488,7 +2920,7 @@
             <a:fld id="{A0C6C299-4584-4B8E-8026-B234D36F464D}" type="datetimeFigureOut">
               <a:rPr lang="en-US" smtClean="0"/>
               <a:pPr/>
-              <a:t>4/20/2013</a:t>
+              <a:t>4/21/2013</a:t>
             </a:fld>
             <a:endParaRPr lang="en-US"/>
           </a:p>
@@ -2698,7 +3130,7 @@
             <a:fld id="{A0C6C299-4584-4B8E-8026-B234D36F464D}" type="datetimeFigureOut">
               <a:rPr lang="en-US" smtClean="0"/>
               <a:pPr/>
-              <a:t>4/20/2013</a:t>
+              <a:t>4/21/2013</a:t>
             </a:fld>
             <a:endParaRPr lang="en-US"/>
           </a:p>
@@ -3150,6 +3582,32 @@
           <a:chExt cx="0" cy="0"/>
         </a:xfrm>
       </p:grpSpPr>
+      <p:pic>
+        <p:nvPicPr>
+          <p:cNvPr id="3074" name="Picture 2" descr="http://www.o3ozone.com/abatement/pas2400_tech_portability.jpg"/>
+          <p:cNvPicPr>
+            <a:picLocks noChangeAspect="1" noChangeArrowheads="1"/>
+          </p:cNvPicPr>
+          <p:nvPr/>
+        </p:nvPicPr>
+        <p:blipFill>
+          <a:blip r:embed="rId2"/>
+          <a:srcRect/>
+          <a:stretch>
+            <a:fillRect/>
+          </a:stretch>
+        </p:blipFill>
+        <p:spPr bwMode="auto">
+          <a:xfrm>
+            <a:off x="2819400" y="2095498"/>
+            <a:ext cx="3810000" cy="4762502"/>
+          </a:xfrm>
+          <a:prstGeom prst="rect">
+            <a:avLst/>
+          </a:prstGeom>
+          <a:noFill/>
+        </p:spPr>
+      </p:pic>
       <p:sp>
         <p:nvSpPr>
           <p:cNvPr id="2" name="Title 1"/>
@@ -3169,7 +3627,7 @@
           <a:p>
             <a:r>
               <a:rPr lang="en-US" b="1" dirty="0" smtClean="0"/>
-              <a:t>Performance</a:t>
+              <a:t>Portability</a:t>
             </a:r>
             <a:endParaRPr lang="en-US" b="1" dirty="0"/>
           </a:p>
@@ -3192,46 +3650,9 @@
           <a:p>
             <a:r>
               <a:rPr lang="en-US" dirty="0" smtClean="0"/>
-              <a:t>Load time</a:t>
-            </a:r>
-          </a:p>
-          <a:p>
-            <a:pPr lvl="1"/>
-            <a:r>
-              <a:rPr lang="en-US" dirty="0"/>
-              <a:t>Every page should be completely displayed within: average 1.5 second and maximum 5 seconds.</a:t>
-            </a:r>
-          </a:p>
-          <a:p>
-            <a:pPr lvl="1"/>
-            <a:r>
-              <a:rPr lang="en-US" dirty="0"/>
-              <a:t>Searching should return and display the result within 2 seconds.</a:t>
-            </a:r>
-          </a:p>
-          <a:p>
-            <a:pPr lvl="1"/>
-            <a:r>
-              <a:rPr lang="en-US" dirty="0"/>
-              <a:t>Frequently accessed data must be </a:t>
-            </a:r>
-            <a:r>
-              <a:rPr lang="en-US" dirty="0" smtClean="0"/>
-              <a:t>cached</a:t>
-            </a:r>
-          </a:p>
-          <a:p>
-            <a:r>
-              <a:rPr lang="en-US" dirty="0" smtClean="0"/>
-              <a:t>Mailing</a:t>
-            </a:r>
-          </a:p>
-          <a:p>
-            <a:pPr lvl="1"/>
-            <a:r>
-              <a:rPr lang="en-US" dirty="0"/>
-              <a:t>Mail server should send emails within 1 minute after associated events happen</a:t>
-            </a:r>
+              <a:t>Anyone can use the website with a browser and an internet connection</a:t>
+            </a:r>
+            <a:endParaRPr lang="en-US" dirty="0"/>
           </a:p>
         </p:txBody>
       </p:sp>
@@ -3260,6 +3681,162 @@
           <a:chExt cx="0" cy="0"/>
         </a:xfrm>
       </p:grpSpPr>
+      <p:pic>
+        <p:nvPicPr>
+          <p:cNvPr id="2052" name="Picture 4" descr="http://www.dapfor.com/images/ProductPicsImages/3e747_Performance.jpg"/>
+          <p:cNvPicPr>
+            <a:picLocks noChangeAspect="1" noChangeArrowheads="1"/>
+          </p:cNvPicPr>
+          <p:nvPr/>
+        </p:nvPicPr>
+        <p:blipFill>
+          <a:blip r:embed="rId3"/>
+          <a:srcRect/>
+          <a:stretch>
+            <a:fillRect/>
+          </a:stretch>
+        </p:blipFill>
+        <p:spPr bwMode="auto">
+          <a:xfrm>
+            <a:off x="6200775" y="4343400"/>
+            <a:ext cx="2943225" cy="1924051"/>
+          </a:xfrm>
+          <a:prstGeom prst="rect">
+            <a:avLst/>
+          </a:prstGeom>
+          <a:noFill/>
+        </p:spPr>
+      </p:pic>
+      <p:sp>
+        <p:nvSpPr>
+          <p:cNvPr id="2" name="Title 1"/>
+          <p:cNvSpPr>
+            <a:spLocks noGrp="1"/>
+          </p:cNvSpPr>
+          <p:nvPr>
+            <p:ph type="title"/>
+          </p:nvPr>
+        </p:nvSpPr>
+        <p:spPr/>
+        <p:txBody>
+          <a:bodyPr>
+            <a:normAutofit/>
+          </a:bodyPr>
+          <a:lstStyle/>
+          <a:p>
+            <a:r>
+              <a:rPr lang="en-US" b="1" dirty="0" smtClean="0"/>
+              <a:t>Performance</a:t>
+            </a:r>
+            <a:endParaRPr lang="en-US" b="1" dirty="0"/>
+          </a:p>
+        </p:txBody>
+      </p:sp>
+      <p:sp>
+        <p:nvSpPr>
+          <p:cNvPr id="3" name="Content Placeholder 2"/>
+          <p:cNvSpPr>
+            <a:spLocks noGrp="1"/>
+          </p:cNvSpPr>
+          <p:nvPr>
+            <p:ph idx="1"/>
+          </p:nvPr>
+        </p:nvSpPr>
+        <p:spPr>
+          <a:xfrm>
+            <a:off x="0" y="1371600"/>
+            <a:ext cx="9144000" cy="4953000"/>
+          </a:xfrm>
+        </p:spPr>
+        <p:txBody>
+          <a:bodyPr>
+            <a:normAutofit/>
+          </a:bodyPr>
+          <a:lstStyle/>
+          <a:p>
+            <a:r>
+              <a:rPr lang="en-US" dirty="0" smtClean="0"/>
+              <a:t>Load time</a:t>
+            </a:r>
+          </a:p>
+          <a:p>
+            <a:pPr lvl="1"/>
+            <a:r>
+              <a:rPr lang="en-US" dirty="0"/>
+              <a:t>Every page should be completely displayed within: average 1.5 second and maximum 5 seconds.</a:t>
+            </a:r>
+          </a:p>
+          <a:p>
+            <a:pPr lvl="1"/>
+            <a:r>
+              <a:rPr lang="en-US" dirty="0"/>
+              <a:t>Searching should return and display the result within 2 seconds.</a:t>
+            </a:r>
+          </a:p>
+          <a:p>
+            <a:pPr lvl="1"/>
+            <a:r>
+              <a:rPr lang="en-US" dirty="0"/>
+              <a:t>Frequently accessed data must be </a:t>
+            </a:r>
+            <a:r>
+              <a:rPr lang="en-US" dirty="0" smtClean="0"/>
+              <a:t>cached</a:t>
+            </a:r>
+          </a:p>
+          <a:p>
+            <a:r>
+              <a:rPr lang="en-US" dirty="0" smtClean="0"/>
+              <a:t>Mailing</a:t>
+            </a:r>
+          </a:p>
+          <a:p>
+            <a:pPr lvl="1"/>
+            <a:r>
+              <a:rPr lang="en-US" dirty="0"/>
+              <a:t>Mail server should send emails within </a:t>
+            </a:r>
+            <a:r>
+              <a:rPr lang="en-US" dirty="0" smtClean="0"/>
+              <a:t>                                1 </a:t>
+            </a:r>
+            <a:r>
+              <a:rPr lang="en-US" dirty="0"/>
+              <a:t>minute after associated events </a:t>
+            </a:r>
+            <a:r>
+              <a:rPr lang="en-US" dirty="0" smtClean="0"/>
+              <a:t>                               happen</a:t>
+            </a:r>
+            <a:endParaRPr lang="en-US" dirty="0"/>
+          </a:p>
+        </p:txBody>
+      </p:sp>
+    </p:spTree>
+  </p:cSld>
+  <p:clrMapOvr>
+    <a:masterClrMapping/>
+  </p:clrMapOvr>
+</p:sld>
+</file>
+
+<file path=ppt/slides/slide12.xml><?xml version="1.0" encoding="utf-8"?>
+<p:sld xmlns:a="http://schemas.openxmlformats.org/drawingml/2006/main" xmlns:r="http://schemas.openxmlformats.org/officeDocument/2006/relationships" xmlns:p="http://schemas.openxmlformats.org/presentationml/2006/main">
+  <p:cSld>
+    <p:spTree>
+      <p:nvGrpSpPr>
+        <p:cNvPr id="1" name=""/>
+        <p:cNvGrpSpPr/>
+        <p:nvPr/>
+      </p:nvGrpSpPr>
+      <p:grpSpPr>
+        <a:xfrm>
+          <a:off x="0" y="0"/>
+          <a:ext cx="0" cy="0"/>
+          <a:chOff x="0" y="0"/>
+          <a:chExt cx="0" cy="0"/>
+        </a:xfrm>
+      </p:grpSpPr>
       <p:sp>
         <p:nvSpPr>
           <p:cNvPr id="2" name="Title 1"/>
@@ -3466,6 +4043,32 @@
           </a:p>
         </p:txBody>
       </p:sp>
+      <p:pic>
+        <p:nvPicPr>
+          <p:cNvPr id="10242" name="Picture 2" descr="http://www.targetprocess.com/blog/wp-content/uploads/2009/06/error-785841.jpg"/>
+          <p:cNvPicPr>
+            <a:picLocks noChangeAspect="1" noChangeArrowheads="1"/>
+          </p:cNvPicPr>
+          <p:nvPr/>
+        </p:nvPicPr>
+        <p:blipFill>
+          <a:blip r:embed="rId2"/>
+          <a:srcRect/>
+          <a:stretch>
+            <a:fillRect/>
+          </a:stretch>
+        </p:blipFill>
+        <p:spPr bwMode="auto">
+          <a:xfrm>
+            <a:off x="5334000" y="1143000"/>
+            <a:ext cx="3810000" cy="3028950"/>
+          </a:xfrm>
+          <a:prstGeom prst="rect">
+            <a:avLst/>
+          </a:prstGeom>
+          <a:noFill/>
+        </p:spPr>
+      </p:pic>
     </p:spTree>
   </p:cSld>
   <p:clrMapOvr>
@@ -3491,6 +4094,32 @@
           <a:chExt cx="0" cy="0"/>
         </a:xfrm>
       </p:grpSpPr>
+      <p:pic>
+        <p:nvPicPr>
+          <p:cNvPr id="9218" name="Picture 2" descr="http://blog.vkistudios.com/images/not%20usable.jpg"/>
+          <p:cNvPicPr>
+            <a:picLocks noChangeAspect="1" noChangeArrowheads="1"/>
+          </p:cNvPicPr>
+          <p:nvPr/>
+        </p:nvPicPr>
+        <p:blipFill>
+          <a:blip r:embed="rId2"/>
+          <a:srcRect/>
+          <a:stretch>
+            <a:fillRect/>
+          </a:stretch>
+        </p:blipFill>
+        <p:spPr bwMode="auto">
+          <a:xfrm>
+            <a:off x="6324600" y="762000"/>
+            <a:ext cx="2476500" cy="2476501"/>
+          </a:xfrm>
+          <a:prstGeom prst="rect">
+            <a:avLst/>
+          </a:prstGeom>
+          <a:noFill/>
+        </p:spPr>
+      </p:pic>
       <p:sp>
         <p:nvSpPr>
           <p:cNvPr id="2" name="Title 1"/>
@@ -3524,10 +4153,15 @@
             <p:ph idx="1"/>
           </p:nvPr>
         </p:nvSpPr>
-        <p:spPr/>
+        <p:spPr>
+          <a:xfrm>
+            <a:off x="457200" y="1600200"/>
+            <a:ext cx="6705600" cy="4525963"/>
+          </a:xfrm>
+        </p:spPr>
         <p:txBody>
           <a:bodyPr>
-            <a:normAutofit lnSpcReduction="10000"/>
+            <a:normAutofit fontScale="92500"/>
           </a:bodyPr>
           <a:lstStyle/>
           <a:p>
@@ -3540,7 +4174,15 @@
             <a:pPr lvl="1"/>
             <a:r>
               <a:rPr lang="en-US" dirty="0" smtClean="0"/>
-              <a:t>Use Vietnamese as much as possible in text, image, message, help documents</a:t>
+              <a:t>Use Vietnamese as much as possible </a:t>
+            </a:r>
+            <a:r>
+              <a:rPr lang="en-US" dirty="0" smtClean="0"/>
+              <a:t>in texts, images, messages, </a:t>
+            </a:r>
+            <a:r>
+              <a:rPr lang="en-US" dirty="0" smtClean="0"/>
+              <a:t>help documents</a:t>
             </a:r>
           </a:p>
           <a:p>
@@ -3555,6 +4197,7 @@
               <a:rPr lang="en-US" dirty="0" smtClean="0"/>
               <a:t>End-user</a:t>
             </a:r>
+            <a:endParaRPr lang="en-US" dirty="0" smtClean="0"/>
           </a:p>
           <a:p>
             <a:pPr lvl="1"/>
@@ -3726,10 +4369,10 @@
           <a:lstStyle/>
           <a:p>
             <a:r>
-              <a:rPr lang="en-US" b="1" dirty="0" smtClean="0"/>
+              <a:rPr lang="en-US" dirty="0" smtClean="0"/>
               <a:t>Reliability</a:t>
             </a:r>
-            <a:endParaRPr lang="en-US" b="1" dirty="0"/>
+            <a:endParaRPr lang="en-US" dirty="0"/>
           </a:p>
         </p:txBody>
       </p:sp>
@@ -3748,44 +4391,36 @@
           <a:bodyPr/>
           <a:lstStyle/>
           <a:p>
-            <a:r>
-              <a:rPr lang="en-US" sz="2800" dirty="0" smtClean="0"/>
-              <a:t>Initial data must be collected carefully and correctly</a:t>
-            </a:r>
-          </a:p>
-          <a:p>
-            <a:r>
-              <a:rPr lang="en-US" sz="2800" dirty="0" smtClean="0"/>
-              <a:t>Database should be backed up regularly and can be restored if necessary</a:t>
-            </a:r>
-          </a:p>
-          <a:p>
-            <a:r>
-              <a:rPr lang="en-US" sz="2800" dirty="0" smtClean="0"/>
-              <a:t>Can filter bad posts</a:t>
-            </a:r>
-          </a:p>
-          <a:p>
-            <a:r>
-              <a:rPr lang="en-US" dirty="0" smtClean="0"/>
-              <a:t>Does not conflict with other software</a:t>
-            </a:r>
-          </a:p>
-          <a:p>
-            <a:r>
-              <a:rPr lang="en-US" dirty="0" smtClean="0"/>
-              <a:t>Mean Time To Repair: as quick as possible. Estimated time is 1 day.</a:t>
-            </a:r>
-          </a:p>
-          <a:p>
-            <a:r>
-              <a:rPr lang="en-US" dirty="0" smtClean="0"/>
-              <a:t>Defect rates: should be 5 bugs/KLOC</a:t>
-            </a:r>
             <a:endParaRPr lang="en-US" dirty="0"/>
           </a:p>
         </p:txBody>
       </p:sp>
+      <p:pic>
+        <p:nvPicPr>
+          <p:cNvPr id="24578" name="Picture 2" descr="http://explorable.com/images/validity-and-reliability.jpg"/>
+          <p:cNvPicPr>
+            <a:picLocks noChangeAspect="1" noChangeArrowheads="1"/>
+          </p:cNvPicPr>
+          <p:nvPr/>
+        </p:nvPicPr>
+        <p:blipFill>
+          <a:blip r:embed="rId2"/>
+          <a:srcRect/>
+          <a:stretch>
+            <a:fillRect/>
+          </a:stretch>
+        </p:blipFill>
+        <p:spPr bwMode="auto">
+          <a:xfrm>
+            <a:off x="0" y="1371600"/>
+            <a:ext cx="9144000" cy="3733800"/>
+          </a:xfrm>
+          <a:prstGeom prst="rect">
+            <a:avLst/>
+          </a:prstGeom>
+          <a:noFill/>
+        </p:spPr>
+      </p:pic>
     </p:spTree>
   </p:cSld>
   <p:clrMapOvr>
@@ -3828,7 +4463,7 @@
           <a:p>
             <a:r>
               <a:rPr lang="en-US" b="1" dirty="0" smtClean="0"/>
-              <a:t>Availability</a:t>
+              <a:t>Reliability</a:t>
             </a:r>
             <a:endParaRPr lang="en-US" b="1" dirty="0"/>
           </a:p>
@@ -3850,22 +4485,40 @@
           <a:lstStyle/>
           <a:p>
             <a:r>
-              <a:rPr lang="en-US" dirty="0" smtClean="0"/>
-              <a:t>System should run 24/7</a:t>
-            </a:r>
-          </a:p>
-          <a:p>
-            <a:r>
-              <a:rPr lang="en-US" dirty="0" smtClean="0"/>
-              <a:t>Can be turned off for maintenance</a:t>
-            </a:r>
-          </a:p>
-          <a:p>
-            <a:r>
-              <a:rPr lang="en-US" dirty="0" smtClean="0"/>
-              <a:t>Up time should be at least 99%, depend on hosting service</a:t>
-            </a:r>
-            <a:endParaRPr lang="en-US" dirty="0"/>
+              <a:rPr lang="en-US" sz="2800" dirty="0" smtClean="0"/>
+              <a:t>Initial data must be collected carefully and correctly</a:t>
+            </a:r>
+          </a:p>
+          <a:p>
+            <a:r>
+              <a:rPr lang="en-US" sz="2800" dirty="0" smtClean="0"/>
+              <a:t>Database should be backed up regularly and can be restored if necessary</a:t>
+            </a:r>
+          </a:p>
+          <a:p>
+            <a:r>
+              <a:rPr lang="en-US" sz="2800" dirty="0" smtClean="0"/>
+              <a:t>Can filter bad posts</a:t>
+            </a:r>
+          </a:p>
+          <a:p>
+            <a:r>
+              <a:rPr lang="en-US" sz="2800" dirty="0" smtClean="0"/>
+              <a:t>Does not conflict with other software</a:t>
+            </a:r>
+          </a:p>
+          <a:p>
+            <a:r>
+              <a:rPr lang="en-US" sz="2800" dirty="0" smtClean="0"/>
+              <a:t>Mean Time To Repair: as quick as possible. Estimated time is 1 day.</a:t>
+            </a:r>
+          </a:p>
+          <a:p>
+            <a:r>
+              <a:rPr lang="en-US" sz="2800" dirty="0" smtClean="0"/>
+              <a:t>Defect rates: should be 5 bugs/KLOC</a:t>
+            </a:r>
+            <a:endParaRPr lang="en-US" sz="2800" dirty="0"/>
           </a:p>
         </p:txBody>
       </p:sp>
@@ -3911,7 +4564,7 @@
           <a:p>
             <a:r>
               <a:rPr lang="en-US" b="1" dirty="0" smtClean="0"/>
-              <a:t>Security</a:t>
+              <a:t>Availability</a:t>
             </a:r>
             <a:endParaRPr lang="en-US" b="1" dirty="0"/>
           </a:p>
@@ -3934,45 +4587,50 @@
           <a:p>
             <a:r>
               <a:rPr lang="en-US" dirty="0" smtClean="0"/>
-              <a:t>Privacy</a:t>
-            </a:r>
-          </a:p>
-          <a:p>
-            <a:pPr lvl="1"/>
+              <a:t>System should run 24/7</a:t>
+            </a:r>
+          </a:p>
+          <a:p>
             <a:r>
               <a:rPr lang="en-US" dirty="0" smtClean="0"/>
-              <a:t>All information regarding </a:t>
-            </a:r>
-            <a:r>
-              <a:rPr lang="en-US" dirty="0"/>
-              <a:t>users must not be available for anyone or software that is not part of the </a:t>
-            </a:r>
+              <a:t>Can be turned off for maintenance</a:t>
+            </a:r>
+          </a:p>
+          <a:p>
             <a:r>
               <a:rPr lang="en-US" dirty="0" smtClean="0"/>
-              <a:t>system</a:t>
-            </a:r>
-          </a:p>
-          <a:p>
-            <a:pPr lvl="1"/>
-            <a:r>
-              <a:rPr lang="en-US" dirty="0"/>
-              <a:t>User password is also invisible for the system administrator with MD5 </a:t>
-            </a:r>
-            <a:r>
-              <a:rPr lang="en-US" dirty="0" smtClean="0"/>
-              <a:t>encryption</a:t>
-            </a:r>
-          </a:p>
-          <a:p>
-            <a:pPr lvl="1"/>
-            <a:r>
-              <a:rPr lang="en-US" dirty="0" smtClean="0"/>
-              <a:t>Provide user with a password recovery method</a:t>
+              <a:t>Up time should be at least 99%, depend on hosting service</a:t>
             </a:r>
             <a:endParaRPr lang="en-US" dirty="0"/>
           </a:p>
         </p:txBody>
       </p:sp>
+      <p:pic>
+        <p:nvPicPr>
+          <p:cNvPr id="6148" name="Picture 4" descr="http://thumbs.gograph.com/gg55956196.jpg"/>
+          <p:cNvPicPr>
+            <a:picLocks noChangeAspect="1" noChangeArrowheads="1"/>
+          </p:cNvPicPr>
+          <p:nvPr/>
+        </p:nvPicPr>
+        <p:blipFill>
+          <a:blip r:embed="rId2"/>
+          <a:srcRect/>
+          <a:stretch>
+            <a:fillRect/>
+          </a:stretch>
+        </p:blipFill>
+        <p:spPr bwMode="auto">
+          <a:xfrm>
+            <a:off x="2895600" y="3886200"/>
+            <a:ext cx="3036091" cy="2285999"/>
+          </a:xfrm>
+          <a:prstGeom prst="rect">
+            <a:avLst/>
+          </a:prstGeom>
+          <a:noFill/>
+        </p:spPr>
+      </p:pic>
     </p:spTree>
   </p:cSld>
   <p:clrMapOvr>
@@ -3998,6 +4656,32 @@
           <a:chExt cx="0" cy="0"/>
         </a:xfrm>
       </p:grpSpPr>
+      <p:pic>
+        <p:nvPicPr>
+          <p:cNvPr id="5124" name="Picture 4" descr="http://cheekysecurity.co.za/PNG/secure-cloud-computing.jpg"/>
+          <p:cNvPicPr>
+            <a:picLocks noChangeAspect="1" noChangeArrowheads="1"/>
+          </p:cNvPicPr>
+          <p:nvPr/>
+        </p:nvPicPr>
+        <p:blipFill>
+          <a:blip r:embed="rId2"/>
+          <a:srcRect/>
+          <a:stretch>
+            <a:fillRect/>
+          </a:stretch>
+        </p:blipFill>
+        <p:spPr bwMode="auto">
+          <a:xfrm>
+            <a:off x="5562600" y="3352800"/>
+            <a:ext cx="3581400" cy="3505200"/>
+          </a:xfrm>
+          <a:prstGeom prst="rect">
+            <a:avLst/>
+          </a:prstGeom>
+          <a:noFill/>
+        </p:spPr>
+      </p:pic>
       <p:sp>
         <p:nvSpPr>
           <p:cNvPr id="2" name="Title 1"/>
@@ -4015,7 +4699,7 @@
           <a:p>
             <a:r>
               <a:rPr lang="en-US" b="1" dirty="0" smtClean="0"/>
-              <a:t>Maintainability</a:t>
+              <a:t>Security</a:t>
             </a:r>
             <a:endParaRPr lang="en-US" b="1" dirty="0"/>
           </a:p>
@@ -4031,101 +4715,161 @@
             <p:ph idx="1"/>
           </p:nvPr>
         </p:nvSpPr>
-        <p:spPr/>
+        <p:spPr>
+          <a:xfrm>
+            <a:off x="0" y="2971800"/>
+            <a:ext cx="5638800" cy="2133600"/>
+          </a:xfrm>
+        </p:spPr>
         <p:txBody>
           <a:bodyPr>
             <a:normAutofit lnSpcReduction="10000"/>
           </a:bodyPr>
           <a:lstStyle/>
           <a:p>
+            <a:pPr lvl="1"/>
+            <a:r>
+              <a:rPr lang="en-US" dirty="0" smtClean="0"/>
+              <a:t>User </a:t>
+            </a:r>
             <a:r>
               <a:rPr lang="en-US" dirty="0"/>
-              <a:t>Coding standards </a:t>
-            </a:r>
-            <a:endParaRPr lang="en-US" dirty="0" smtClean="0"/>
+              <a:t>password is also invisible for the system administrator with MD5 </a:t>
+            </a:r>
+            <a:r>
+              <a:rPr lang="en-US" dirty="0" smtClean="0"/>
+              <a:t>encryption</a:t>
+            </a:r>
           </a:p>
           <a:p>
             <a:pPr lvl="1"/>
             <a:r>
-              <a:rPr lang="en-US" sz="2400" dirty="0" smtClean="0"/>
-              <a:t>Implemented code </a:t>
-            </a:r>
-            <a:r>
-              <a:rPr lang="en-US" sz="2400" dirty="0"/>
-              <a:t>must be easy to </a:t>
-            </a:r>
-            <a:r>
-              <a:rPr lang="en-US" sz="2400" dirty="0" smtClean="0"/>
-              <a:t>maintain</a:t>
-            </a:r>
-          </a:p>
-          <a:p>
-            <a:pPr lvl="1"/>
-            <a:r>
-              <a:rPr lang="en-US" sz="2400" dirty="0"/>
-              <a:t>All code </a:t>
-            </a:r>
-            <a:r>
-              <a:rPr lang="en-US" sz="2400" dirty="0" smtClean="0"/>
-              <a:t>should be </a:t>
-            </a:r>
-            <a:r>
-              <a:rPr lang="en-US" sz="2400" dirty="0"/>
-              <a:t>clearly commented, including class, method </a:t>
-            </a:r>
-            <a:r>
-              <a:rPr lang="en-US" sz="2400" dirty="0" smtClean="0"/>
-              <a:t>documentations</a:t>
-            </a:r>
-          </a:p>
-          <a:p>
-            <a:r>
               <a:rPr lang="en-US" dirty="0" smtClean="0"/>
-              <a:t>Design</a:t>
-            </a:r>
-          </a:p>
-          <a:p>
-            <a:pPr lvl="1"/>
-            <a:r>
-              <a:rPr lang="en-US" sz="2400" dirty="0"/>
-              <a:t>The design of the system must be loosely coupled that </a:t>
-            </a:r>
-            <a:r>
-              <a:rPr lang="en-US" sz="2400" dirty="0" smtClean="0"/>
-              <a:t>changes on </a:t>
-            </a:r>
-            <a:r>
-              <a:rPr lang="en-US" sz="2400" dirty="0"/>
-              <a:t>some module will not affect </a:t>
-            </a:r>
-            <a:r>
-              <a:rPr lang="en-US" sz="2400" dirty="0" smtClean="0"/>
-              <a:t>others</a:t>
-            </a:r>
-          </a:p>
-          <a:p>
-            <a:r>
-              <a:rPr lang="en-US" dirty="0" smtClean="0"/>
-              <a:t>Logging</a:t>
-            </a:r>
-          </a:p>
-          <a:p>
-            <a:pPr lvl="1"/>
-            <a:r>
-              <a:rPr lang="en-US" sz="2400" dirty="0"/>
-              <a:t>All the errors should be logged, supporting </a:t>
-            </a:r>
-            <a:r>
-              <a:rPr lang="en-US" sz="2400" dirty="0" smtClean="0"/>
-              <a:t>bug </a:t>
-            </a:r>
-            <a:r>
-              <a:rPr lang="en-US" sz="2400" dirty="0"/>
-              <a:t>fixing and maintenance</a:t>
-            </a:r>
-          </a:p>
-          <a:p>
+              <a:t>Provide user with a password recovery method</a:t>
+            </a:r>
             <a:endParaRPr lang="en-US" dirty="0"/>
+          </a:p>
+        </p:txBody>
+      </p:sp>
+      <p:sp>
+        <p:nvSpPr>
+          <p:cNvPr id="9" name="TextBox 8"/>
+          <p:cNvSpPr txBox="1"/>
+          <p:nvPr/>
+        </p:nvSpPr>
+        <p:spPr>
+          <a:xfrm>
+            <a:off x="4191000" y="2133600"/>
+            <a:ext cx="184731" cy="369332"/>
+          </a:xfrm>
+          <a:prstGeom prst="rect">
+            <a:avLst/>
+          </a:prstGeom>
+          <a:noFill/>
+        </p:spPr>
+        <p:txBody>
+          <a:bodyPr wrap="none" rtlCol="0">
+            <a:spAutoFit/>
+          </a:bodyPr>
+          <a:lstStyle/>
+          <a:p>
+            <a:endParaRPr lang="en-US" dirty="0"/>
+          </a:p>
+        </p:txBody>
+      </p:sp>
+      <p:sp>
+        <p:nvSpPr>
+          <p:cNvPr id="11" name="Content Placeholder 2"/>
+          <p:cNvSpPr txBox="1">
+            <a:spLocks/>
+          </p:cNvSpPr>
+          <p:nvPr/>
+        </p:nvSpPr>
+        <p:spPr>
+          <a:xfrm>
+            <a:off x="0" y="1066800"/>
+            <a:ext cx="8534400" cy="2590800"/>
+          </a:xfrm>
+          <a:prstGeom prst="rect">
+            <a:avLst/>
+          </a:prstGeom>
+        </p:spPr>
+        <p:txBody>
+          <a:bodyPr vert="horz" lIns="91440" tIns="45720" rIns="91440" bIns="45720" rtlCol="0">
+            <a:normAutofit/>
+          </a:bodyPr>
+          <a:lstStyle/>
+          <a:p>
+            <a:pPr marL="342900" marR="0" lvl="0" indent="-342900" algn="l" defTabSz="914400" rtl="0" eaLnBrk="1" fontAlgn="auto" latinLnBrk="0" hangingPunct="1">
+              <a:lnSpc>
+                <a:spcPct val="100000"/>
+              </a:lnSpc>
+              <a:spcBef>
+                <a:spcPct val="20000"/>
+              </a:spcBef>
+              <a:spcAft>
+                <a:spcPts val="0"/>
+              </a:spcAft>
+              <a:buClrTx/>
+              <a:buSzTx/>
+              <a:buFont typeface="Arial" pitchFamily="34" charset="0"/>
+              <a:buChar char="•"/>
+              <a:tabLst/>
+              <a:defRPr/>
+            </a:pPr>
+            <a:r>
+              <a:rPr kumimoji="0" lang="en-US" sz="3200" b="0" i="0" u="none" strike="noStrike" kern="1200" cap="none" spc="0" normalizeH="0" baseline="0" noProof="0" dirty="0" smtClean="0">
+                <a:ln>
+                  <a:noFill/>
+                </a:ln>
+                <a:solidFill>
+                  <a:schemeClr val="tx1"/>
+                </a:solidFill>
+                <a:effectLst/>
+                <a:uLnTx/>
+                <a:uFillTx/>
+                <a:latin typeface="+mn-lt"/>
+                <a:ea typeface="+mn-ea"/>
+                <a:cs typeface="+mn-cs"/>
+              </a:rPr>
+              <a:t>Privacy</a:t>
+            </a:r>
+          </a:p>
+          <a:p>
+            <a:pPr marL="742950" marR="0" lvl="1" indent="-285750" algn="l" defTabSz="914400" rtl="0" eaLnBrk="1" fontAlgn="auto" latinLnBrk="0" hangingPunct="1">
+              <a:lnSpc>
+                <a:spcPct val="100000"/>
+              </a:lnSpc>
+              <a:spcBef>
+                <a:spcPct val="20000"/>
+              </a:spcBef>
+              <a:spcAft>
+                <a:spcPts val="0"/>
+              </a:spcAft>
+              <a:buClrTx/>
+              <a:buSzTx/>
+              <a:buFont typeface="Arial" pitchFamily="34" charset="0"/>
+              <a:buChar char="–"/>
+              <a:tabLst/>
+              <a:defRPr/>
+            </a:pPr>
+            <a:r>
+              <a:rPr kumimoji="0" lang="en-US" sz="2800" b="0" i="0" u="none" strike="noStrike" kern="1200" cap="none" spc="0" normalizeH="0" baseline="0" noProof="0" dirty="0" smtClean="0">
+                <a:ln>
+                  <a:noFill/>
+                </a:ln>
+                <a:solidFill>
+                  <a:schemeClr val="tx1"/>
+                </a:solidFill>
+                <a:effectLst/>
+                <a:uLnTx/>
+                <a:uFillTx/>
+                <a:latin typeface="+mn-lt"/>
+                <a:ea typeface="+mn-ea"/>
+                <a:cs typeface="+mn-cs"/>
+              </a:rPr>
+              <a:t>All information regarding users must not be available for anyone or software that is not part of the system</a:t>
+            </a:r>
           </a:p>
         </p:txBody>
       </p:sp>
@@ -4154,6 +4898,32 @@
           <a:chExt cx="0" cy="0"/>
         </a:xfrm>
       </p:grpSpPr>
+      <p:pic>
+        <p:nvPicPr>
+          <p:cNvPr id="4100" name="Picture 4" descr="http://www.outsystems.com/blog/2013/03/28/Maintainability.png"/>
+          <p:cNvPicPr>
+            <a:picLocks noChangeAspect="1" noChangeArrowheads="1"/>
+          </p:cNvPicPr>
+          <p:nvPr/>
+        </p:nvPicPr>
+        <p:blipFill>
+          <a:blip r:embed="rId2"/>
+          <a:srcRect/>
+          <a:stretch>
+            <a:fillRect/>
+          </a:stretch>
+        </p:blipFill>
+        <p:spPr bwMode="auto">
+          <a:xfrm>
+            <a:off x="6477000" y="3429000"/>
+            <a:ext cx="3429000" cy="3429000"/>
+          </a:xfrm>
+          <a:prstGeom prst="rect">
+            <a:avLst/>
+          </a:prstGeom>
+          <a:noFill/>
+        </p:spPr>
+      </p:pic>
       <p:sp>
         <p:nvSpPr>
           <p:cNvPr id="2" name="Title 1"/>
@@ -4166,38 +4936,126 @@
         </p:nvSpPr>
         <p:spPr/>
         <p:txBody>
+          <a:bodyPr/>
+          <a:lstStyle/>
+          <a:p>
+            <a:r>
+              <a:rPr lang="en-US" b="1" dirty="0" smtClean="0"/>
+              <a:t>Maintainability</a:t>
+            </a:r>
+            <a:endParaRPr lang="en-US" b="1" dirty="0"/>
+          </a:p>
+        </p:txBody>
+      </p:sp>
+      <p:sp>
+        <p:nvSpPr>
+          <p:cNvPr id="3" name="Content Placeholder 2"/>
+          <p:cNvSpPr>
+            <a:spLocks noGrp="1"/>
+          </p:cNvSpPr>
+          <p:nvPr>
+            <p:ph idx="1"/>
+          </p:nvPr>
+        </p:nvSpPr>
+        <p:spPr/>
+        <p:txBody>
           <a:bodyPr>
-            <a:normAutofit/>
+            <a:normAutofit lnSpcReduction="10000"/>
           </a:bodyPr>
           <a:lstStyle/>
           <a:p>
             <a:r>
-              <a:rPr lang="en-US" b="1" dirty="0" smtClean="0"/>
-              <a:t>Portability</a:t>
-            </a:r>
-            <a:endParaRPr lang="en-US" b="1" dirty="0"/>
-          </a:p>
-        </p:txBody>
-      </p:sp>
-      <p:sp>
-        <p:nvSpPr>
-          <p:cNvPr id="3" name="Content Placeholder 2"/>
-          <p:cNvSpPr>
-            <a:spLocks noGrp="1"/>
-          </p:cNvSpPr>
-          <p:nvPr>
-            <p:ph idx="1"/>
-          </p:nvPr>
-        </p:nvSpPr>
-        <p:spPr/>
-        <p:txBody>
-          <a:bodyPr/>
-          <a:lstStyle/>
+              <a:rPr lang="en-US" dirty="0"/>
+              <a:t>Coding standards </a:t>
+            </a:r>
+            <a:endParaRPr lang="en-US" dirty="0" smtClean="0"/>
+          </a:p>
+          <a:p>
+            <a:pPr lvl="1"/>
+            <a:r>
+              <a:rPr lang="en-US" sz="2400" dirty="0" smtClean="0"/>
+              <a:t>Implemented code </a:t>
+            </a:r>
+            <a:r>
+              <a:rPr lang="en-US" sz="2400" dirty="0"/>
+              <a:t>must be easy to </a:t>
+            </a:r>
+            <a:r>
+              <a:rPr lang="en-US" sz="2400" dirty="0" smtClean="0"/>
+              <a:t>maintain</a:t>
+            </a:r>
+          </a:p>
+          <a:p>
+            <a:pPr lvl="1"/>
+            <a:r>
+              <a:rPr lang="en-US" sz="2400" dirty="0"/>
+              <a:t>All code </a:t>
+            </a:r>
+            <a:r>
+              <a:rPr lang="en-US" sz="2400" dirty="0" smtClean="0"/>
+              <a:t>should be </a:t>
+            </a:r>
+            <a:r>
+              <a:rPr lang="en-US" sz="2400" dirty="0"/>
+              <a:t>clearly commented, including class, method </a:t>
+            </a:r>
+            <a:r>
+              <a:rPr lang="en-US" sz="2400" dirty="0" smtClean="0"/>
+              <a:t>documentations</a:t>
+            </a:r>
+          </a:p>
           <a:p>
             <a:r>
               <a:rPr lang="en-US" dirty="0" smtClean="0"/>
-              <a:t>Anyone can use the website with a browser and an internet connection</a:t>
-            </a:r>
+              <a:t>Design</a:t>
+            </a:r>
+          </a:p>
+          <a:p>
+            <a:pPr lvl="1"/>
+            <a:r>
+              <a:rPr lang="en-US" sz="2400" dirty="0"/>
+              <a:t>The design of the system must be loosely coupled </a:t>
+            </a:r>
+            <a:r>
+              <a:rPr lang="en-US" sz="2400" dirty="0" smtClean="0"/>
+              <a:t>         that </a:t>
+            </a:r>
+            <a:r>
+              <a:rPr lang="en-US" sz="2400" dirty="0" smtClean="0"/>
+              <a:t>changes on </a:t>
+            </a:r>
+            <a:r>
+              <a:rPr lang="en-US" sz="2400" dirty="0"/>
+              <a:t>some module will not affect </a:t>
+            </a:r>
+            <a:r>
+              <a:rPr lang="en-US" sz="2400" dirty="0" smtClean="0"/>
+              <a:t>others</a:t>
+            </a:r>
+            <a:endParaRPr lang="en-US" sz="2400" dirty="0" smtClean="0"/>
+          </a:p>
+          <a:p>
+            <a:r>
+              <a:rPr lang="en-US" dirty="0" smtClean="0"/>
+              <a:t>Logging</a:t>
+            </a:r>
+          </a:p>
+          <a:p>
+            <a:pPr lvl="1"/>
+            <a:r>
+              <a:rPr lang="en-US" sz="2400" dirty="0"/>
+              <a:t>All the errors should be logged, supporting </a:t>
+            </a:r>
+            <a:r>
+              <a:rPr lang="en-US" sz="2400" dirty="0" smtClean="0"/>
+              <a:t>		     bug </a:t>
+            </a:r>
+            <a:r>
+              <a:rPr lang="en-US" sz="2400" dirty="0"/>
+              <a:t>fixing and maintenance</a:t>
+            </a:r>
+          </a:p>
+          <a:p>
             <a:endParaRPr lang="en-US" dirty="0"/>
           </a:p>
         </p:txBody>
@@ -4491,4 +5349,287 @@
   <a:objectDefaults/>
   <a:extraClrSchemeLst/>
 </a:theme>
+</file>
+
+<file path=ppt/theme/theme2.xml><?xml version="1.0" encoding="utf-8"?>
+<a:theme xmlns:a="http://schemas.openxmlformats.org/drawingml/2006/main" name="Office Theme">
+  <a:themeElements>
+    <a:clrScheme name="Office">
+      <a:dk1>
+        <a:sysClr val="windowText" lastClr="000000"/>
+      </a:dk1>
+      <a:lt1>
+        <a:sysClr val="window" lastClr="FFFFFF"/>
+      </a:lt1>
+      <a:dk2>
+        <a:srgbClr val="1F497D"/>
+      </a:dk2>
+      <a:lt2>
+        <a:srgbClr val="EEECE1"/>
+      </a:lt2>
+      <a:accent1>
+        <a:srgbClr val="4F81BD"/>
+      </a:accent1>
+      <a:accent2>
+        <a:srgbClr val="C0504D"/>
+      </a:accent2>
+      <a:accent3>
+        <a:srgbClr val="9BBB59"/>
+      </a:accent3>
+      <a:accent4>
+        <a:srgbClr val="8064A2"/>
+      </a:accent4>
+      <a:accent5>
+        <a:srgbClr val="4BACC6"/>
+      </a:accent5>
+      <a:accent6>
+        <a:srgbClr val="F79646"/>
+      </a:accent6>
+      <a:hlink>
+        <a:srgbClr val="0000FF"/>
+      </a:hlink>
+      <a:folHlink>
+        <a:srgbClr val="800080"/>
+      </a:folHlink>
+    </a:clrScheme>
+    <a:fontScheme name="Office">
+      <a:majorFont>
+        <a:latin typeface="Calibri"/>
+        <a:ea typeface=""/>
+        <a:cs typeface=""/>
+        <a:font script="Jpan" typeface="ＭＳ Ｐゴシック"/>
+        <a:font script="Hang" typeface="맑은 고딕"/>
+        <a:font script="Hans" typeface="宋体"/>
+        <a:font script="Hant" typeface="新細明體"/>
+        <a:font script="Arab" typeface="Times New Roman"/>
+        <a:font script="Hebr" typeface="Times New Roman"/>
+        <a:font script="Thai" typeface="Angsana New"/>
+        <a:font script="Ethi" typeface="Nyala"/>
+        <a:font script="Beng" typeface="Vrinda"/>
+        <a:font script="Gujr" typeface="Shruti"/>
+        <a:font script="Khmr" typeface="MoolBoran"/>
+        <a:font script="Knda" typeface="Tunga"/>
+        <a:font script="Guru" typeface="Raavi"/>
+        <a:font script="Cans" typeface="Euphemia"/>
+        <a:font script="Cher" typeface="Plantagenet Cherokee"/>
+        <a:font script="Yiii" typeface="Microsoft Yi Baiti"/>
+        <a:font script="Tibt" typeface="Microsoft Himalaya"/>
+        <a:font script="Thaa" typeface="MV Boli"/>
+        <a:font script="Deva" typeface="Mangal"/>
+        <a:font script="Telu" typeface="Gautami"/>
+        <a:font script="Taml" typeface="Latha"/>
+        <a:font script="Syrc" typeface="Estrangelo Edessa"/>
+        <a:font script="Orya" typeface="Kalinga"/>
+        <a:font script="Mlym" typeface="Kartika"/>
+        <a:font script="Laoo" typeface="DokChampa"/>
+        <a:font script="Sinh" typeface="Iskoola Pota"/>
+        <a:font script="Mong" typeface="Mongolian Baiti"/>
+        <a:font script="Viet" typeface="Times New Roman"/>
+        <a:font script="Uigh" typeface="Microsoft Uighur"/>
+      </a:majorFont>
+      <a:minorFont>
+        <a:latin typeface="Calibri"/>
+        <a:ea typeface=""/>
+        <a:cs typeface=""/>
+        <a:font script="Jpan" typeface="ＭＳ Ｐゴシック"/>
+        <a:font script="Hang" typeface="맑은 고딕"/>
+        <a:font script="Hans" typeface="宋体"/>
+        <a:font script="Hant" typeface="新細明體"/>
+        <a:font script="Arab" typeface="Arial"/>
+        <a:font script="Hebr" typeface="Arial"/>
+        <a:font script="Thai" typeface="Cordia New"/>
+        <a:font script="Ethi" typeface="Nyala"/>
+        <a:font script="Beng" typeface="Vrinda"/>
+        <a:font script="Gujr" typeface="Shruti"/>
+        <a:font script="Khmr" typeface="DaunPenh"/>
+        <a:font script="Knda" typeface="Tunga"/>
+        <a:font script="Guru" typeface="Raavi"/>
+        <a:font script="Cans" typeface="Euphemia"/>
+        <a:font script="Cher" typeface="Plantagenet Cherokee"/>
+        <a:font script="Yiii" typeface="Microsoft Yi Baiti"/>
+        <a:font script="Tibt" typeface="Microsoft Himalaya"/>
+        <a:font script="Thaa" typeface="MV Boli"/>
+        <a:font script="Deva" typeface="Mangal"/>
+        <a:font script="Telu" typeface="Gautami"/>
+        <a:font script="Taml" typeface="Latha"/>
+        <a:font script="Syrc" typeface="Estrangelo Edessa"/>
+        <a:font script="Orya" typeface="Kalinga"/>
+        <a:font script="Mlym" typeface="Kartika"/>
+        <a:font script="Laoo" typeface="DokChampa"/>
+        <a:font script="Sinh" typeface="Iskoola Pota"/>
+        <a:font script="Mong" typeface="Mongolian Baiti"/>
+        <a:font script="Viet" typeface="Arial"/>
+        <a:font script="Uigh" typeface="Microsoft Uighur"/>
+      </a:minorFont>
+    </a:fontScheme>
+    <a:fmtScheme name="Office">
+      <a:fillStyleLst>
+        <a:solidFill>
+          <a:schemeClr val="phClr"/>
+        </a:solidFill>
+        <a:gradFill rotWithShape="1">
+          <a:gsLst>
+            <a:gs pos="0">
+              <a:schemeClr val="phClr">
+                <a:tint val="50000"/>
+                <a:satMod val="300000"/>
+              </a:schemeClr>
+            </a:gs>
+            <a:gs pos="35000">
+              <a:schemeClr val="phClr">
+                <a:tint val="37000"/>
+                <a:satMod val="300000"/>
+              </a:schemeClr>
+            </a:gs>
+            <a:gs pos="100000">
+              <a:schemeClr val="phClr">
+                <a:tint val="15000"/>
+                <a:satMod val="350000"/>
+              </a:schemeClr>
+            </a:gs>
+          </a:gsLst>
+          <a:lin ang="16200000" scaled="1"/>
+        </a:gradFill>
+        <a:gradFill rotWithShape="1">
+          <a:gsLst>
+            <a:gs pos="0">
+              <a:schemeClr val="phClr">
+                <a:shade val="51000"/>
+                <a:satMod val="130000"/>
+              </a:schemeClr>
+            </a:gs>
+            <a:gs pos="80000">
+              <a:schemeClr val="phClr">
+                <a:shade val="93000"/>
+                <a:satMod val="130000"/>
+              </a:schemeClr>
+            </a:gs>
+            <a:gs pos="100000">
+              <a:schemeClr val="phClr">
+                <a:shade val="94000"/>
+                <a:satMod val="135000"/>
+              </a:schemeClr>
+            </a:gs>
+          </a:gsLst>
+          <a:lin ang="16200000" scaled="0"/>
+        </a:gradFill>
+      </a:fillStyleLst>
+      <a:lnStyleLst>
+        <a:ln w="9525" cap="flat" cmpd="sng" algn="ctr">
+          <a:solidFill>
+            <a:schemeClr val="phClr">
+              <a:shade val="95000"/>
+              <a:satMod val="105000"/>
+            </a:schemeClr>
+          </a:solidFill>
+          <a:prstDash val="solid"/>
+        </a:ln>
+        <a:ln w="25400" cap="flat" cmpd="sng" algn="ctr">
+          <a:solidFill>
+            <a:schemeClr val="phClr"/>
+          </a:solidFill>
+          <a:prstDash val="solid"/>
+        </a:ln>
+        <a:ln w="38100" cap="flat" cmpd="sng" algn="ctr">
+          <a:solidFill>
+            <a:schemeClr val="phClr"/>
+          </a:solidFill>
+          <a:prstDash val="solid"/>
+        </a:ln>
+      </a:lnStyleLst>
+      <a:effectStyleLst>
+        <a:effectStyle>
+          <a:effectLst>
+            <a:outerShdw blurRad="40000" dist="20000" dir="5400000" rotWithShape="0">
+              <a:srgbClr val="000000">
+                <a:alpha val="38000"/>
+              </a:srgbClr>
+            </a:outerShdw>
+          </a:effectLst>
+        </a:effectStyle>
+        <a:effectStyle>
+          <a:effectLst>
+            <a:outerShdw blurRad="40000" dist="23000" dir="5400000" rotWithShape="0">
+              <a:srgbClr val="000000">
+                <a:alpha val="35000"/>
+              </a:srgbClr>
+            </a:outerShdw>
+          </a:effectLst>
+        </a:effectStyle>
+        <a:effectStyle>
+          <a:effectLst>
+            <a:outerShdw blurRad="40000" dist="23000" dir="5400000" rotWithShape="0">
+              <a:srgbClr val="000000">
+                <a:alpha val="35000"/>
+              </a:srgbClr>
+            </a:outerShdw>
+          </a:effectLst>
+          <a:scene3d>
+            <a:camera prst="orthographicFront">
+              <a:rot lat="0" lon="0" rev="0"/>
+            </a:camera>
+            <a:lightRig rig="threePt" dir="t">
+              <a:rot lat="0" lon="0" rev="1200000"/>
+            </a:lightRig>
+          </a:scene3d>
+          <a:sp3d>
+            <a:bevelT w="63500" h="25400"/>
+          </a:sp3d>
+        </a:effectStyle>
+      </a:effectStyleLst>
+      <a:bgFillStyleLst>
+        <a:solidFill>
+          <a:schemeClr val="phClr"/>
+        </a:solidFill>
+        <a:gradFill rotWithShape="1">
+          <a:gsLst>
+            <a:gs pos="0">
+              <a:schemeClr val="phClr">
+                <a:tint val="40000"/>
+                <a:satMod val="350000"/>
+              </a:schemeClr>
+            </a:gs>
+            <a:gs pos="40000">
+              <a:schemeClr val="phClr">
+                <a:tint val="45000"/>
+                <a:shade val="99000"/>
+                <a:satMod val="350000"/>
+              </a:schemeClr>
+            </a:gs>
+            <a:gs pos="100000">
+              <a:schemeClr val="phClr">
+                <a:shade val="20000"/>
+                <a:satMod val="255000"/>
+              </a:schemeClr>
+            </a:gs>
+          </a:gsLst>
+          <a:path path="circle">
+            <a:fillToRect l="50000" t="-80000" r="50000" b="180000"/>
+          </a:path>
+        </a:gradFill>
+        <a:gradFill rotWithShape="1">
+          <a:gsLst>
+            <a:gs pos="0">
+              <a:schemeClr val="phClr">
+                <a:tint val="80000"/>
+                <a:satMod val="300000"/>
+              </a:schemeClr>
+            </a:gs>
+            <a:gs pos="100000">
+              <a:schemeClr val="phClr">
+                <a:shade val="30000"/>
+                <a:satMod val="200000"/>
+              </a:schemeClr>
+            </a:gs>
+          </a:gsLst>
+          <a:path path="circle">
+            <a:fillToRect l="50000" t="50000" r="50000" b="50000"/>
+          </a:path>
+        </a:gradFill>
+      </a:bgFillStyleLst>
+    </a:fmtScheme>
+  </a:themeElements>
+  <a:objectDefaults/>
+  <a:extraClrSchemeLst/>
+</a:theme>
 </file>